--- a/Docs/figures.pptx
+++ b/Docs/figures.pptx
@@ -104,6 +104,11 @@
       </a:defRPr>
     </a:lvl9pPr>
   </p:defaultTextStyle>
+  <p:extLst>
+    <p:ext uri="{EFAFB233-063F-42B5-8137-9DF3F51BA10A}">
+      <p15:sldGuideLst xmlns:p15="http://schemas.microsoft.com/office/powerpoint/2012/main"/>
+    </p:ext>
+  </p:extLst>
 </p:presentation>
 </file>
 
@@ -254,7 +259,7 @@
           <a:p>
             <a:fld id="{4CD57F09-4CD0-4CFB-9522-19CB518CC8EF}" type="datetimeFigureOut">
               <a:rPr lang="en-US" smtClean="0"/>
-              <a:t>8/16/2019</a:t>
+              <a:t>8/27/2019</a:t>
             </a:fld>
             <a:endParaRPr lang="en-US"/>
           </a:p>
@@ -452,7 +457,7 @@
           <a:p>
             <a:fld id="{4CD57F09-4CD0-4CFB-9522-19CB518CC8EF}" type="datetimeFigureOut">
               <a:rPr lang="en-US" smtClean="0"/>
-              <a:t>8/16/2019</a:t>
+              <a:t>8/27/2019</a:t>
             </a:fld>
             <a:endParaRPr lang="en-US"/>
           </a:p>
@@ -660,7 +665,7 @@
           <a:p>
             <a:fld id="{4CD57F09-4CD0-4CFB-9522-19CB518CC8EF}" type="datetimeFigureOut">
               <a:rPr lang="en-US" smtClean="0"/>
-              <a:t>8/16/2019</a:t>
+              <a:t>8/27/2019</a:t>
             </a:fld>
             <a:endParaRPr lang="en-US"/>
           </a:p>
@@ -858,7 +863,7 @@
           <a:p>
             <a:fld id="{4CD57F09-4CD0-4CFB-9522-19CB518CC8EF}" type="datetimeFigureOut">
               <a:rPr lang="en-US" smtClean="0"/>
-              <a:t>8/16/2019</a:t>
+              <a:t>8/27/2019</a:t>
             </a:fld>
             <a:endParaRPr lang="en-US"/>
           </a:p>
@@ -1133,7 +1138,7 @@
           <a:p>
             <a:fld id="{4CD57F09-4CD0-4CFB-9522-19CB518CC8EF}" type="datetimeFigureOut">
               <a:rPr lang="en-US" smtClean="0"/>
-              <a:t>8/16/2019</a:t>
+              <a:t>8/27/2019</a:t>
             </a:fld>
             <a:endParaRPr lang="en-US"/>
           </a:p>
@@ -1398,7 +1403,7 @@
           <a:p>
             <a:fld id="{4CD57F09-4CD0-4CFB-9522-19CB518CC8EF}" type="datetimeFigureOut">
               <a:rPr lang="en-US" smtClean="0"/>
-              <a:t>8/16/2019</a:t>
+              <a:t>8/27/2019</a:t>
             </a:fld>
             <a:endParaRPr lang="en-US"/>
           </a:p>
@@ -1810,7 +1815,7 @@
           <a:p>
             <a:fld id="{4CD57F09-4CD0-4CFB-9522-19CB518CC8EF}" type="datetimeFigureOut">
               <a:rPr lang="en-US" smtClean="0"/>
-              <a:t>8/16/2019</a:t>
+              <a:t>8/27/2019</a:t>
             </a:fld>
             <a:endParaRPr lang="en-US"/>
           </a:p>
@@ -1951,7 +1956,7 @@
           <a:p>
             <a:fld id="{4CD57F09-4CD0-4CFB-9522-19CB518CC8EF}" type="datetimeFigureOut">
               <a:rPr lang="en-US" smtClean="0"/>
-              <a:t>8/16/2019</a:t>
+              <a:t>8/27/2019</a:t>
             </a:fld>
             <a:endParaRPr lang="en-US"/>
           </a:p>
@@ -2064,7 +2069,7 @@
           <a:p>
             <a:fld id="{4CD57F09-4CD0-4CFB-9522-19CB518CC8EF}" type="datetimeFigureOut">
               <a:rPr lang="en-US" smtClean="0"/>
-              <a:t>8/16/2019</a:t>
+              <a:t>8/27/2019</a:t>
             </a:fld>
             <a:endParaRPr lang="en-US"/>
           </a:p>
@@ -2375,7 +2380,7 @@
           <a:p>
             <a:fld id="{4CD57F09-4CD0-4CFB-9522-19CB518CC8EF}" type="datetimeFigureOut">
               <a:rPr lang="en-US" smtClean="0"/>
-              <a:t>8/16/2019</a:t>
+              <a:t>8/27/2019</a:t>
             </a:fld>
             <a:endParaRPr lang="en-US"/>
           </a:p>
@@ -2663,7 +2668,7 @@
           <a:p>
             <a:fld id="{4CD57F09-4CD0-4CFB-9522-19CB518CC8EF}" type="datetimeFigureOut">
               <a:rPr lang="en-US" smtClean="0"/>
-              <a:t>8/16/2019</a:t>
+              <a:t>8/27/2019</a:t>
             </a:fld>
             <a:endParaRPr lang="en-US"/>
           </a:p>
@@ -2904,7 +2909,7 @@
           <a:p>
             <a:fld id="{4CD57F09-4CD0-4CFB-9522-19CB518CC8EF}" type="datetimeFigureOut">
               <a:rPr lang="en-US" smtClean="0"/>
-              <a:t>8/16/2019</a:t>
+              <a:t>8/27/2019</a:t>
             </a:fld>
             <a:endParaRPr lang="en-US"/>
           </a:p>
@@ -3335,7 +3340,7 @@
         </p:nvSpPr>
         <p:spPr>
           <a:xfrm>
-            <a:off x="1593011" y="948906"/>
+            <a:off x="1825445" y="2969008"/>
             <a:ext cx="1728204" cy="1562141"/>
           </a:xfrm>
           <a:prstGeom prst="roundRect">
@@ -3394,7 +3399,7 @@
         </p:nvGrpSpPr>
         <p:grpSpPr>
           <a:xfrm>
-            <a:off x="473820" y="3034240"/>
+            <a:off x="1756936" y="1690627"/>
             <a:ext cx="1170962" cy="775518"/>
             <a:chOff x="550330" y="3022814"/>
             <a:chExt cx="1170962" cy="775518"/>
@@ -3487,15 +3492,15 @@
           </p:cNvPr>
           <p:cNvCxnSpPr>
             <a:cxnSpLocks/>
-            <a:stCxn id="6" idx="3"/>
-            <a:endCxn id="4" idx="2"/>
+            <a:stCxn id="7" idx="2"/>
+            <a:endCxn id="4" idx="0"/>
           </p:cNvCxnSpPr>
           <p:nvPr/>
         </p:nvCxnSpPr>
         <p:spPr>
-          <a:xfrm flipV="1">
-            <a:off x="1332277" y="2511047"/>
-            <a:ext cx="1124836" cy="796169"/>
+          <a:xfrm>
+            <a:off x="2342417" y="2466145"/>
+            <a:ext cx="347130" cy="502863"/>
           </a:xfrm>
           <a:prstGeom prst="straightConnector1">
             <a:avLst/>
@@ -3536,7 +3541,7 @@
         </p:nvSpPr>
         <p:spPr>
           <a:xfrm>
-            <a:off x="1033755" y="2647887"/>
+            <a:off x="1350218" y="2511045"/>
             <a:ext cx="1090811" cy="369332"/>
           </a:xfrm>
           <a:prstGeom prst="rect">
@@ -3571,7 +3576,7 @@
         </p:nvSpPr>
         <p:spPr>
           <a:xfrm>
-            <a:off x="4569153" y="907055"/>
+            <a:off x="4737595" y="1893644"/>
             <a:ext cx="2044849" cy="3224327"/>
           </a:xfrm>
           <a:prstGeom prst="roundRect">
@@ -3635,7 +3640,7 @@
         </p:nvSpPr>
         <p:spPr>
           <a:xfrm>
-            <a:off x="4727475" y="3006949"/>
+            <a:off x="4895917" y="2312985"/>
             <a:ext cx="1728204" cy="576532"/>
           </a:xfrm>
           <a:prstGeom prst="roundRect">
@@ -3697,9 +3702,9 @@
           <p:nvPr/>
         </p:nvCxnSpPr>
         <p:spPr>
-          <a:xfrm flipV="1">
-            <a:off x="1332277" y="3295215"/>
-            <a:ext cx="3395198" cy="12001"/>
+          <a:xfrm>
+            <a:off x="2615393" y="1963603"/>
+            <a:ext cx="2280524" cy="637648"/>
           </a:xfrm>
           <a:prstGeom prst="straightConnector1">
             <a:avLst/>
@@ -3740,7 +3745,7 @@
         </p:nvSpPr>
         <p:spPr>
           <a:xfrm>
-            <a:off x="4727475" y="1153444"/>
+            <a:off x="4895917" y="2969008"/>
             <a:ext cx="1728204" cy="576532"/>
           </a:xfrm>
           <a:prstGeom prst="roundRect">
@@ -3799,7 +3804,7 @@
         </p:nvGrpSpPr>
         <p:grpSpPr>
           <a:xfrm>
-            <a:off x="7767901" y="2038545"/>
+            <a:off x="7936343" y="3025134"/>
             <a:ext cx="1221361" cy="775518"/>
             <a:chOff x="525132" y="3022814"/>
             <a:chExt cx="1221361" cy="775518"/>
@@ -3895,7 +3900,7 @@
         </p:nvSpPr>
         <p:spPr>
           <a:xfrm>
-            <a:off x="9629953" y="948906"/>
+            <a:off x="9798395" y="1935495"/>
             <a:ext cx="1728204" cy="3219123"/>
           </a:xfrm>
           <a:prstGeom prst="roundRect">
@@ -3956,7 +3961,7 @@
         </p:nvCxnSpPr>
         <p:spPr>
           <a:xfrm flipH="1">
-            <a:off x="3321215" y="2156741"/>
+            <a:off x="3542088" y="4006113"/>
             <a:ext cx="1247938" cy="5434"/>
           </a:xfrm>
           <a:prstGeom prst="straightConnector1">
@@ -3998,7 +4003,7 @@
         </p:nvSpPr>
         <p:spPr>
           <a:xfrm>
-            <a:off x="3534092" y="1778216"/>
+            <a:off x="3727965" y="3677493"/>
             <a:ext cx="886781" cy="369332"/>
           </a:xfrm>
           <a:prstGeom prst="rect">
@@ -4033,7 +4038,7 @@
         </p:nvSpPr>
         <p:spPr>
           <a:xfrm>
-            <a:off x="2438653" y="3429000"/>
+            <a:off x="2603629" y="1667261"/>
             <a:ext cx="1197828" cy="369332"/>
           </a:xfrm>
           <a:prstGeom prst="rect">
@@ -4071,8 +4076,8 @@
         </p:nvCxnSpPr>
         <p:spPr>
           <a:xfrm>
-            <a:off x="3321215" y="1441710"/>
-            <a:ext cx="1406260" cy="0"/>
+            <a:off x="3553649" y="3257274"/>
+            <a:ext cx="1342268" cy="0"/>
           </a:xfrm>
           <a:prstGeom prst="straightConnector1">
             <a:avLst/>
@@ -4113,7 +4118,7 @@
         </p:nvSpPr>
         <p:spPr>
           <a:xfrm>
-            <a:off x="3521203" y="1080085"/>
+            <a:off x="3674397" y="2906411"/>
             <a:ext cx="761299" cy="369332"/>
           </a:xfrm>
           <a:prstGeom prst="rect">
@@ -4151,7 +4156,7 @@
         </p:nvCxnSpPr>
         <p:spPr>
           <a:xfrm>
-            <a:off x="8651556" y="2311521"/>
+            <a:off x="8819998" y="3298110"/>
             <a:ext cx="978397" cy="0"/>
           </a:xfrm>
           <a:prstGeom prst="straightConnector1">
@@ -4193,7 +4198,7 @@
         </p:nvSpPr>
         <p:spPr>
           <a:xfrm>
-            <a:off x="8560087" y="1373371"/>
+            <a:off x="8728529" y="2359960"/>
             <a:ext cx="1305229" cy="923330"/>
           </a:xfrm>
           <a:prstGeom prst="rect">
@@ -4243,7 +4248,7 @@
         </p:nvCxnSpPr>
         <p:spPr>
           <a:xfrm>
-            <a:off x="6639877" y="1962882"/>
+            <a:off x="6808319" y="2949471"/>
             <a:ext cx="1465727" cy="348639"/>
           </a:xfrm>
           <a:prstGeom prst="straightConnector1">
@@ -4285,7 +4290,7 @@
         </p:nvSpPr>
         <p:spPr>
           <a:xfrm>
-            <a:off x="6910162" y="1645006"/>
+            <a:off x="7078604" y="2631595"/>
             <a:ext cx="790601" cy="369332"/>
           </a:xfrm>
           <a:prstGeom prst="rect">
@@ -4323,7 +4328,7 @@
         </p:nvCxnSpPr>
         <p:spPr>
           <a:xfrm flipH="1">
-            <a:off x="6639877" y="2629397"/>
+            <a:off x="6808319" y="3615986"/>
             <a:ext cx="1128024" cy="167739"/>
           </a:xfrm>
           <a:prstGeom prst="straightConnector1">
@@ -4365,7 +4370,7 @@
         </p:nvSpPr>
         <p:spPr>
           <a:xfrm>
-            <a:off x="6697635" y="2710651"/>
+            <a:off x="6866077" y="3697240"/>
             <a:ext cx="1407969" cy="923330"/>
           </a:xfrm>
           <a:prstGeom prst="rect">
@@ -4382,6 +4387,335 @@
             <a:r>
               <a:rPr lang="en-US" dirty="0"/>
               <a:t>Mark completion after action</a:t>
+            </a:r>
+          </a:p>
+        </p:txBody>
+      </p:sp>
+      <p:sp>
+        <p:nvSpPr>
+          <p:cNvPr id="2" name="Isosceles Triangle 1">
+            <a:extLst>
+              <a:ext uri="{FF2B5EF4-FFF2-40B4-BE49-F238E27FC236}">
+                <a16:creationId xmlns:a16="http://schemas.microsoft.com/office/drawing/2014/main" id="{D6D583ED-DD55-419E-B906-64698985F5EC}"/>
+              </a:ext>
+            </a:extLst>
+          </p:cNvPr>
+          <p:cNvSpPr/>
+          <p:nvPr/>
+        </p:nvSpPr>
+        <p:spPr>
+          <a:xfrm>
+            <a:off x="3973671" y="5230966"/>
+            <a:ext cx="642957" cy="577510"/>
+          </a:xfrm>
+          <a:prstGeom prst="triangle">
+            <a:avLst/>
+          </a:prstGeom>
+          <a:noFill/>
+          <a:ln>
+            <a:solidFill>
+              <a:schemeClr val="tx1"/>
+            </a:solidFill>
+          </a:ln>
+        </p:spPr>
+        <p:style>
+          <a:lnRef idx="2">
+            <a:schemeClr val="accent1">
+              <a:shade val="50000"/>
+            </a:schemeClr>
+          </a:lnRef>
+          <a:fillRef idx="1">
+            <a:schemeClr val="accent1"/>
+          </a:fillRef>
+          <a:effectRef idx="0">
+            <a:schemeClr val="accent1"/>
+          </a:effectRef>
+          <a:fontRef idx="minor">
+            <a:schemeClr val="lt1"/>
+          </a:fontRef>
+        </p:style>
+        <p:txBody>
+          <a:bodyPr rtlCol="0" anchor="ctr"/>
+          <a:lstStyle/>
+          <a:p>
+            <a:pPr algn="ctr"/>
+            <a:endParaRPr lang="en-US"/>
+          </a:p>
+        </p:txBody>
+      </p:sp>
+      <p:sp>
+        <p:nvSpPr>
+          <p:cNvPr id="31" name="Isosceles Triangle 30">
+            <a:extLst>
+              <a:ext uri="{FF2B5EF4-FFF2-40B4-BE49-F238E27FC236}">
+                <a16:creationId xmlns:a16="http://schemas.microsoft.com/office/drawing/2014/main" id="{24C7BD46-1392-41E3-9AC3-F2B9EAC8FCCE}"/>
+              </a:ext>
+            </a:extLst>
+          </p:cNvPr>
+          <p:cNvSpPr/>
+          <p:nvPr/>
+        </p:nvSpPr>
+        <p:spPr>
+          <a:xfrm>
+            <a:off x="6139554" y="828544"/>
+            <a:ext cx="642957" cy="577510"/>
+          </a:xfrm>
+          <a:prstGeom prst="triangle">
+            <a:avLst/>
+          </a:prstGeom>
+          <a:noFill/>
+          <a:ln>
+            <a:solidFill>
+              <a:schemeClr val="tx1"/>
+            </a:solidFill>
+          </a:ln>
+        </p:spPr>
+        <p:style>
+          <a:lnRef idx="2">
+            <a:schemeClr val="accent1">
+              <a:shade val="50000"/>
+            </a:schemeClr>
+          </a:lnRef>
+          <a:fillRef idx="1">
+            <a:schemeClr val="accent1"/>
+          </a:fillRef>
+          <a:effectRef idx="0">
+            <a:schemeClr val="accent1"/>
+          </a:effectRef>
+          <a:fontRef idx="minor">
+            <a:schemeClr val="lt1"/>
+          </a:fontRef>
+        </p:style>
+        <p:txBody>
+          <a:bodyPr rtlCol="0" anchor="ctr"/>
+          <a:lstStyle/>
+          <a:p>
+            <a:pPr algn="ctr"/>
+            <a:endParaRPr lang="en-US"/>
+          </a:p>
+        </p:txBody>
+      </p:sp>
+      <p:cxnSp>
+        <p:nvCxnSpPr>
+          <p:cNvPr id="5" name="Straight Arrow Connector 4">
+            <a:extLst>
+              <a:ext uri="{FF2B5EF4-FFF2-40B4-BE49-F238E27FC236}">
+                <a16:creationId xmlns:a16="http://schemas.microsoft.com/office/drawing/2014/main" id="{0F21E7DD-E87F-4809-8AF0-6B7E156AC0A9}"/>
+              </a:ext>
+            </a:extLst>
+          </p:cNvPr>
+          <p:cNvCxnSpPr>
+            <a:cxnSpLocks/>
+            <a:endCxn id="2" idx="0"/>
+          </p:cNvCxnSpPr>
+          <p:nvPr/>
+        </p:nvCxnSpPr>
+        <p:spPr>
+          <a:xfrm flipH="1">
+            <a:off x="4295150" y="4064162"/>
+            <a:ext cx="520380" cy="1166804"/>
+          </a:xfrm>
+          <a:prstGeom prst="straightConnector1">
+            <a:avLst/>
+          </a:prstGeom>
+          <a:ln>
+            <a:tailEnd type="triangle"/>
+          </a:ln>
+        </p:spPr>
+        <p:style>
+          <a:lnRef idx="1">
+            <a:schemeClr val="accent1"/>
+          </a:lnRef>
+          <a:fillRef idx="0">
+            <a:schemeClr val="accent1"/>
+          </a:fillRef>
+          <a:effectRef idx="0">
+            <a:schemeClr val="accent1"/>
+          </a:effectRef>
+          <a:fontRef idx="minor">
+            <a:schemeClr val="tx1"/>
+          </a:fontRef>
+        </p:style>
+      </p:cxnSp>
+      <p:sp>
+        <p:nvSpPr>
+          <p:cNvPr id="9" name="TextBox 8">
+            <a:extLst>
+              <a:ext uri="{FF2B5EF4-FFF2-40B4-BE49-F238E27FC236}">
+                <a16:creationId xmlns:a16="http://schemas.microsoft.com/office/drawing/2014/main" id="{6846040D-0DDE-4CD5-B41F-DC94A3DC1F6E}"/>
+              </a:ext>
+            </a:extLst>
+          </p:cNvPr>
+          <p:cNvSpPr txBox="1"/>
+          <p:nvPr/>
+        </p:nvSpPr>
+        <p:spPr>
+          <a:xfrm>
+            <a:off x="3021417" y="4785274"/>
+            <a:ext cx="1397498" cy="369332"/>
+          </a:xfrm>
+          <a:prstGeom prst="rect">
+            <a:avLst/>
+          </a:prstGeom>
+          <a:noFill/>
+        </p:spPr>
+        <p:txBody>
+          <a:bodyPr wrap="none" rtlCol="0">
+            <a:spAutoFit/>
+          </a:bodyPr>
+          <a:lstStyle/>
+          <a:p>
+            <a:r>
+              <a:rPr lang="en-US" dirty="0"/>
+              <a:t>Authenticate</a:t>
+            </a:r>
+          </a:p>
+        </p:txBody>
+      </p:sp>
+      <p:cxnSp>
+        <p:nvCxnSpPr>
+          <p:cNvPr id="13" name="Straight Arrow Connector 12">
+            <a:extLst>
+              <a:ext uri="{FF2B5EF4-FFF2-40B4-BE49-F238E27FC236}">
+                <a16:creationId xmlns:a16="http://schemas.microsoft.com/office/drawing/2014/main" id="{CA165741-5215-4A3E-8A02-00129242E99A}"/>
+              </a:ext>
+            </a:extLst>
+          </p:cNvPr>
+          <p:cNvCxnSpPr>
+            <a:cxnSpLocks/>
+            <a:stCxn id="15" idx="0"/>
+            <a:endCxn id="31" idx="2"/>
+          </p:cNvCxnSpPr>
+          <p:nvPr/>
+        </p:nvCxnSpPr>
+        <p:spPr>
+          <a:xfrm flipV="1">
+            <a:off x="5760019" y="1406054"/>
+            <a:ext cx="379535" cy="906931"/>
+          </a:xfrm>
+          <a:prstGeom prst="straightConnector1">
+            <a:avLst/>
+          </a:prstGeom>
+          <a:ln>
+            <a:tailEnd type="triangle"/>
+          </a:ln>
+        </p:spPr>
+        <p:style>
+          <a:lnRef idx="1">
+            <a:schemeClr val="accent1"/>
+          </a:lnRef>
+          <a:fillRef idx="0">
+            <a:schemeClr val="accent1"/>
+          </a:fillRef>
+          <a:effectRef idx="0">
+            <a:schemeClr val="accent1"/>
+          </a:effectRef>
+          <a:fontRef idx="minor">
+            <a:schemeClr val="tx1"/>
+          </a:fontRef>
+        </p:style>
+      </p:cxnSp>
+      <p:sp>
+        <p:nvSpPr>
+          <p:cNvPr id="35" name="TextBox 34">
+            <a:extLst>
+              <a:ext uri="{FF2B5EF4-FFF2-40B4-BE49-F238E27FC236}">
+                <a16:creationId xmlns:a16="http://schemas.microsoft.com/office/drawing/2014/main" id="{6900A11C-1810-499E-9947-BD6F8A17AD03}"/>
+              </a:ext>
+            </a:extLst>
+          </p:cNvPr>
+          <p:cNvSpPr txBox="1"/>
+          <p:nvPr/>
+        </p:nvSpPr>
+        <p:spPr>
+          <a:xfrm>
+            <a:off x="6172730" y="1406054"/>
+            <a:ext cx="1397498" cy="369332"/>
+          </a:xfrm>
+          <a:prstGeom prst="rect">
+            <a:avLst/>
+          </a:prstGeom>
+          <a:noFill/>
+        </p:spPr>
+        <p:txBody>
+          <a:bodyPr wrap="none" rtlCol="0">
+            <a:spAutoFit/>
+          </a:bodyPr>
+          <a:lstStyle/>
+          <a:p>
+            <a:r>
+              <a:rPr lang="en-US" dirty="0"/>
+              <a:t>Authenticate</a:t>
+            </a:r>
+          </a:p>
+        </p:txBody>
+      </p:sp>
+      <p:sp>
+        <p:nvSpPr>
+          <p:cNvPr id="51" name="TextBox 50">
+            <a:extLst>
+              <a:ext uri="{FF2B5EF4-FFF2-40B4-BE49-F238E27FC236}">
+                <a16:creationId xmlns:a16="http://schemas.microsoft.com/office/drawing/2014/main" id="{0DF6B009-D597-4756-9A18-D65446CED241}"/>
+              </a:ext>
+            </a:extLst>
+          </p:cNvPr>
+          <p:cNvSpPr txBox="1"/>
+          <p:nvPr/>
+        </p:nvSpPr>
+        <p:spPr>
+          <a:xfrm>
+            <a:off x="2920113" y="5408731"/>
+            <a:ext cx="1050929" cy="369332"/>
+          </a:xfrm>
+          <a:prstGeom prst="rect">
+            <a:avLst/>
+          </a:prstGeom>
+          <a:noFill/>
+        </p:spPr>
+        <p:txBody>
+          <a:bodyPr wrap="none" rtlCol="0">
+            <a:spAutoFit/>
+          </a:bodyPr>
+          <a:lstStyle/>
+          <a:p>
+            <a:r>
+              <a:rPr lang="en-US" dirty="0"/>
+              <a:t>Azure AD</a:t>
+            </a:r>
+          </a:p>
+        </p:txBody>
+      </p:sp>
+      <p:sp>
+        <p:nvSpPr>
+          <p:cNvPr id="52" name="TextBox 51">
+            <a:extLst>
+              <a:ext uri="{FF2B5EF4-FFF2-40B4-BE49-F238E27FC236}">
+                <a16:creationId xmlns:a16="http://schemas.microsoft.com/office/drawing/2014/main" id="{142CED17-7DCB-4365-B1BB-A199F2E6375A}"/>
+              </a:ext>
+            </a:extLst>
+          </p:cNvPr>
+          <p:cNvSpPr txBox="1"/>
+          <p:nvPr/>
+        </p:nvSpPr>
+        <p:spPr>
+          <a:xfrm>
+            <a:off x="6636581" y="792927"/>
+            <a:ext cx="1050929" cy="369332"/>
+          </a:xfrm>
+          <a:prstGeom prst="rect">
+            <a:avLst/>
+          </a:prstGeom>
+          <a:noFill/>
+        </p:spPr>
+        <p:txBody>
+          <a:bodyPr wrap="none" rtlCol="0">
+            <a:spAutoFit/>
+          </a:bodyPr>
+          <a:lstStyle/>
+          <a:p>
+            <a:r>
+              <a:rPr lang="en-US" dirty="0"/>
+              <a:t>Azure AD</a:t>
             </a:r>
           </a:p>
         </p:txBody>

--- a/Docs/figures.pptx
+++ b/Docs/figures.pptx
@@ -259,7 +259,7 @@
           <a:p>
             <a:fld id="{4CD57F09-4CD0-4CFB-9522-19CB518CC8EF}" type="datetimeFigureOut">
               <a:rPr lang="en-US" smtClean="0"/>
-              <a:t>8/27/2019</a:t>
+              <a:t>10/3/2019</a:t>
             </a:fld>
             <a:endParaRPr lang="en-US"/>
           </a:p>
@@ -457,7 +457,7 @@
           <a:p>
             <a:fld id="{4CD57F09-4CD0-4CFB-9522-19CB518CC8EF}" type="datetimeFigureOut">
               <a:rPr lang="en-US" smtClean="0"/>
-              <a:t>8/27/2019</a:t>
+              <a:t>10/3/2019</a:t>
             </a:fld>
             <a:endParaRPr lang="en-US"/>
           </a:p>
@@ -665,7 +665,7 @@
           <a:p>
             <a:fld id="{4CD57F09-4CD0-4CFB-9522-19CB518CC8EF}" type="datetimeFigureOut">
               <a:rPr lang="en-US" smtClean="0"/>
-              <a:t>8/27/2019</a:t>
+              <a:t>10/3/2019</a:t>
             </a:fld>
             <a:endParaRPr lang="en-US"/>
           </a:p>
@@ -863,7 +863,7 @@
           <a:p>
             <a:fld id="{4CD57F09-4CD0-4CFB-9522-19CB518CC8EF}" type="datetimeFigureOut">
               <a:rPr lang="en-US" smtClean="0"/>
-              <a:t>8/27/2019</a:t>
+              <a:t>10/3/2019</a:t>
             </a:fld>
             <a:endParaRPr lang="en-US"/>
           </a:p>
@@ -1138,7 +1138,7 @@
           <a:p>
             <a:fld id="{4CD57F09-4CD0-4CFB-9522-19CB518CC8EF}" type="datetimeFigureOut">
               <a:rPr lang="en-US" smtClean="0"/>
-              <a:t>8/27/2019</a:t>
+              <a:t>10/3/2019</a:t>
             </a:fld>
             <a:endParaRPr lang="en-US"/>
           </a:p>
@@ -1403,7 +1403,7 @@
           <a:p>
             <a:fld id="{4CD57F09-4CD0-4CFB-9522-19CB518CC8EF}" type="datetimeFigureOut">
               <a:rPr lang="en-US" smtClean="0"/>
-              <a:t>8/27/2019</a:t>
+              <a:t>10/3/2019</a:t>
             </a:fld>
             <a:endParaRPr lang="en-US"/>
           </a:p>
@@ -1815,7 +1815,7 @@
           <a:p>
             <a:fld id="{4CD57F09-4CD0-4CFB-9522-19CB518CC8EF}" type="datetimeFigureOut">
               <a:rPr lang="en-US" smtClean="0"/>
-              <a:t>8/27/2019</a:t>
+              <a:t>10/3/2019</a:t>
             </a:fld>
             <a:endParaRPr lang="en-US"/>
           </a:p>
@@ -1956,7 +1956,7 @@
           <a:p>
             <a:fld id="{4CD57F09-4CD0-4CFB-9522-19CB518CC8EF}" type="datetimeFigureOut">
               <a:rPr lang="en-US" smtClean="0"/>
-              <a:t>8/27/2019</a:t>
+              <a:t>10/3/2019</a:t>
             </a:fld>
             <a:endParaRPr lang="en-US"/>
           </a:p>
@@ -2069,7 +2069,7 @@
           <a:p>
             <a:fld id="{4CD57F09-4CD0-4CFB-9522-19CB518CC8EF}" type="datetimeFigureOut">
               <a:rPr lang="en-US" smtClean="0"/>
-              <a:t>8/27/2019</a:t>
+              <a:t>10/3/2019</a:t>
             </a:fld>
             <a:endParaRPr lang="en-US"/>
           </a:p>
@@ -2380,7 +2380,7 @@
           <a:p>
             <a:fld id="{4CD57F09-4CD0-4CFB-9522-19CB518CC8EF}" type="datetimeFigureOut">
               <a:rPr lang="en-US" smtClean="0"/>
-              <a:t>8/27/2019</a:t>
+              <a:t>10/3/2019</a:t>
             </a:fld>
             <a:endParaRPr lang="en-US"/>
           </a:p>
@@ -2668,7 +2668,7 @@
           <a:p>
             <a:fld id="{4CD57F09-4CD0-4CFB-9522-19CB518CC8EF}" type="datetimeFigureOut">
               <a:rPr lang="en-US" smtClean="0"/>
-              <a:t>8/27/2019</a:t>
+              <a:t>10/3/2019</a:t>
             </a:fld>
             <a:endParaRPr lang="en-US"/>
           </a:p>
@@ -2909,7 +2909,7 @@
           <a:p>
             <a:fld id="{4CD57F09-4CD0-4CFB-9522-19CB518CC8EF}" type="datetimeFigureOut">
               <a:rPr lang="en-US" smtClean="0"/>
-              <a:t>8/27/2019</a:t>
+              <a:t>10/3/2019</a:t>
             </a:fld>
             <a:endParaRPr lang="en-US"/>
           </a:p>
@@ -4038,8 +4038,8 @@
         </p:nvSpPr>
         <p:spPr>
           <a:xfrm>
-            <a:off x="2603629" y="1667261"/>
-            <a:ext cx="1197828" cy="369332"/>
+            <a:off x="2839034" y="899195"/>
+            <a:ext cx="1936265" cy="1200329"/>
           </a:xfrm>
           <a:prstGeom prst="rect">
             <a:avLst/>
@@ -4047,14 +4047,14 @@
           <a:noFill/>
         </p:spPr>
         <p:txBody>
-          <a:bodyPr wrap="none" rtlCol="0">
+          <a:bodyPr wrap="square" rtlCol="0">
             <a:spAutoFit/>
           </a:bodyPr>
           <a:lstStyle/>
           <a:p>
             <a:r>
               <a:rPr lang="en-US" dirty="0"/>
-              <a:t>Redirected</a:t>
+              <a:t>Forwarded for activating or modifying the subscription </a:t>
             </a:r>
           </a:p>
         </p:txBody>
@@ -4551,8 +4551,8 @@
         </p:nvSpPr>
         <p:spPr>
           <a:xfrm>
-            <a:off x="3021417" y="4785274"/>
-            <a:ext cx="1397498" cy="369332"/>
+            <a:off x="2107366" y="4802332"/>
+            <a:ext cx="2328330" cy="369332"/>
           </a:xfrm>
           <a:prstGeom prst="rect">
             <a:avLst/>
@@ -4567,7 +4567,7 @@
           <a:p>
             <a:r>
               <a:rPr lang="en-US" dirty="0"/>
-              <a:t>Authenticate</a:t>
+              <a:t>Authenticate API client</a:t>
             </a:r>
           </a:p>
         </p:txBody>
@@ -4630,7 +4630,7 @@
         <p:spPr>
           <a:xfrm>
             <a:off x="6172730" y="1406054"/>
-            <a:ext cx="1397498" cy="369332"/>
+            <a:ext cx="2787751" cy="369332"/>
           </a:xfrm>
           <a:prstGeom prst="rect">
             <a:avLst/>
@@ -4645,7 +4645,7 @@
           <a:p>
             <a:r>
               <a:rPr lang="en-US" dirty="0"/>
-              <a:t>Authenticate</a:t>
+              <a:t>Authenticate the subscriber</a:t>
             </a:r>
           </a:p>
         </p:txBody>
